--- a/2-Machine_Learning/2.1_Supervised/2.1.7 Ensembling/ML - Ensembling.pptx
+++ b/2-Machine_Learning/2.1_Supervised/2.1.7 Ensembling/ML - Ensembling.pptx
@@ -258,8 +258,11 @@
     </a:lvl9pPr>
   </p:defaultTextStyle>
   <p:extLst>
+    <p:ext uri="{EFAFB233-063F-42B5-8137-9DF3F51BA10A}">
+      <p15:sldGuideLst xmlns:p15="http://schemas.microsoft.com/office/powerpoint/2012/main"/>
+    </p:ext>
     <p:ext uri="http://customooxmlschemas.google.com/">
-      <go:slidesCustomData xmlns:go="http://customooxmlschemas.google.com/" xmlns:ahyp="http://schemas.microsoft.com/office/drawing/2018/hyperlinkcolor" xmlns:p15="http://schemas.microsoft.com/office/powerpoint/2012/main" xmlns:p14="http://schemas.microsoft.com/office/powerpoint/2010/main" xmlns:com="http://schemas.openxmlformats.org/drawingml/2006/compatibility" xmlns:pvml="urn:schemas-microsoft-com:office:powerpoint" xmlns:v="urn:schemas-microsoft-com:vml" xmlns:o="urn:schemas-microsoft-com:office:office" xmlns:dgm="http://schemas.openxmlformats.org/drawingml/2006/diagram" xmlns:c="http://schemas.openxmlformats.org/drawingml/2006/chart" xmlns:mv="urn:schemas-microsoft-com:mac:vml" xmlns:mc="http://schemas.openxmlformats.org/markup-compatibility/2006" xmlns="" r:id="rId22" roundtripDataSignature="AMtx7mjI2+buJccPNhD4BOfP2CSGrUhTxQ=="/>
+      <go:slidesCustomData xmlns="" xmlns:mc="http://schemas.openxmlformats.org/markup-compatibility/2006" xmlns:mv="urn:schemas-microsoft-com:mac:vml" xmlns:c="http://schemas.openxmlformats.org/drawingml/2006/chart" xmlns:dgm="http://schemas.openxmlformats.org/drawingml/2006/diagram" xmlns:o="urn:schemas-microsoft-com:office:office" xmlns:v="urn:schemas-microsoft-com:vml" xmlns:pvml="urn:schemas-microsoft-com:office:powerpoint" xmlns:com="http://schemas.openxmlformats.org/drawingml/2006/compatibility" xmlns:p14="http://schemas.microsoft.com/office/powerpoint/2010/main" xmlns:p15="http://schemas.microsoft.com/office/powerpoint/2012/main" xmlns:ahyp="http://schemas.microsoft.com/office/drawing/2018/hyperlinkcolor" xmlns:go="http://customooxmlschemas.google.com/" r:id="rId22" roundtripDataSignature="AMtx7mjI2+buJccPNhD4BOfP2CSGrUhTxQ=="/>
     </p:ext>
   </p:extLst>
 </p:presentation>
@@ -19347,7 +19350,7 @@
               <a:buNone/>
             </a:pPr>
             <a:r>
-              <a:rPr lang="en-GB" sz="1700">
+              <a:rPr lang="en-GB" sz="1700" dirty="0" err="1">
                 <a:solidFill>
                   <a:schemeClr val="lt1"/>
                 </a:solidFill>
@@ -19356,9 +19359,429 @@
                 <a:cs typeface="Calibri"/>
                 <a:sym typeface="Calibri"/>
               </a:rPr>
-              <a:t>En el caso del bagging teníamos un conjunto de modelos independientes, cuyos outputs servían para el output final. En este caso de boosting los modelos se entrenan secuencialmente y por tanto existe una dependencia entre ellos.</a:t>
+              <a:t>En</a:t>
             </a:r>
-            <a:endParaRPr sz="1700">
+            <a:r>
+              <a:rPr lang="en-GB" sz="1700" dirty="0">
+                <a:solidFill>
+                  <a:schemeClr val="lt1"/>
+                </a:solidFill>
+                <a:latin typeface="Calibri"/>
+                <a:ea typeface="Calibri"/>
+                <a:cs typeface="Calibri"/>
+                <a:sym typeface="Calibri"/>
+              </a:rPr>
+              <a:t> </a:t>
+            </a:r>
+            <a:r>
+              <a:rPr lang="en-GB" sz="1700" dirty="0" err="1">
+                <a:solidFill>
+                  <a:schemeClr val="lt1"/>
+                </a:solidFill>
+                <a:latin typeface="Calibri"/>
+                <a:ea typeface="Calibri"/>
+                <a:cs typeface="Calibri"/>
+                <a:sym typeface="Calibri"/>
+              </a:rPr>
+              <a:t>el</a:t>
+            </a:r>
+            <a:r>
+              <a:rPr lang="en-GB" sz="1700" dirty="0">
+                <a:solidFill>
+                  <a:schemeClr val="lt1"/>
+                </a:solidFill>
+                <a:latin typeface="Calibri"/>
+                <a:ea typeface="Calibri"/>
+                <a:cs typeface="Calibri"/>
+                <a:sym typeface="Calibri"/>
+              </a:rPr>
+              <a:t> </a:t>
+            </a:r>
+            <a:r>
+              <a:rPr lang="en-GB" sz="1700" dirty="0" err="1">
+                <a:solidFill>
+                  <a:schemeClr val="lt1"/>
+                </a:solidFill>
+                <a:latin typeface="Calibri"/>
+                <a:ea typeface="Calibri"/>
+                <a:cs typeface="Calibri"/>
+                <a:sym typeface="Calibri"/>
+              </a:rPr>
+              <a:t>caso</a:t>
+            </a:r>
+            <a:r>
+              <a:rPr lang="en-GB" sz="1700" dirty="0">
+                <a:solidFill>
+                  <a:schemeClr val="lt1"/>
+                </a:solidFill>
+                <a:latin typeface="Calibri"/>
+                <a:ea typeface="Calibri"/>
+                <a:cs typeface="Calibri"/>
+                <a:sym typeface="Calibri"/>
+              </a:rPr>
+              <a:t> del bagging </a:t>
+            </a:r>
+            <a:r>
+              <a:rPr lang="en-GB" sz="1700" dirty="0" err="1">
+                <a:solidFill>
+                  <a:schemeClr val="lt1"/>
+                </a:solidFill>
+                <a:latin typeface="Calibri"/>
+                <a:ea typeface="Calibri"/>
+                <a:cs typeface="Calibri"/>
+                <a:sym typeface="Calibri"/>
+              </a:rPr>
+              <a:t>teníamos</a:t>
+            </a:r>
+            <a:r>
+              <a:rPr lang="en-GB" sz="1700" dirty="0">
+                <a:solidFill>
+                  <a:schemeClr val="lt1"/>
+                </a:solidFill>
+                <a:latin typeface="Calibri"/>
+                <a:ea typeface="Calibri"/>
+                <a:cs typeface="Calibri"/>
+                <a:sym typeface="Calibri"/>
+              </a:rPr>
+              <a:t> un conjunto de </a:t>
+            </a:r>
+            <a:r>
+              <a:rPr lang="en-GB" sz="1700" dirty="0" err="1">
+                <a:solidFill>
+                  <a:schemeClr val="lt1"/>
+                </a:solidFill>
+                <a:latin typeface="Calibri"/>
+                <a:ea typeface="Calibri"/>
+                <a:cs typeface="Calibri"/>
+                <a:sym typeface="Calibri"/>
+              </a:rPr>
+              <a:t>modelos</a:t>
+            </a:r>
+            <a:r>
+              <a:rPr lang="en-GB" sz="1700" dirty="0">
+                <a:solidFill>
+                  <a:schemeClr val="lt1"/>
+                </a:solidFill>
+                <a:latin typeface="Calibri"/>
+                <a:ea typeface="Calibri"/>
+                <a:cs typeface="Calibri"/>
+                <a:sym typeface="Calibri"/>
+              </a:rPr>
+              <a:t> </a:t>
+            </a:r>
+            <a:r>
+              <a:rPr lang="en-GB" sz="1700" dirty="0" err="1">
+                <a:solidFill>
+                  <a:schemeClr val="lt1"/>
+                </a:solidFill>
+                <a:latin typeface="Calibri"/>
+                <a:ea typeface="Calibri"/>
+                <a:cs typeface="Calibri"/>
+                <a:sym typeface="Calibri"/>
+              </a:rPr>
+              <a:t>independientes</a:t>
+            </a:r>
+            <a:r>
+              <a:rPr lang="en-GB" sz="1700" dirty="0">
+                <a:solidFill>
+                  <a:schemeClr val="lt1"/>
+                </a:solidFill>
+                <a:latin typeface="Calibri"/>
+                <a:ea typeface="Calibri"/>
+                <a:cs typeface="Calibri"/>
+                <a:sym typeface="Calibri"/>
+              </a:rPr>
+              <a:t>, </a:t>
+            </a:r>
+            <a:r>
+              <a:rPr lang="en-GB" sz="1700" dirty="0" err="1">
+                <a:solidFill>
+                  <a:schemeClr val="lt1"/>
+                </a:solidFill>
+                <a:latin typeface="Calibri"/>
+                <a:ea typeface="Calibri"/>
+                <a:cs typeface="Calibri"/>
+                <a:sym typeface="Calibri"/>
+              </a:rPr>
+              <a:t>cuyos</a:t>
+            </a:r>
+            <a:r>
+              <a:rPr lang="en-GB" sz="1700" dirty="0">
+                <a:solidFill>
+                  <a:schemeClr val="lt1"/>
+                </a:solidFill>
+                <a:latin typeface="Calibri"/>
+                <a:ea typeface="Calibri"/>
+                <a:cs typeface="Calibri"/>
+                <a:sym typeface="Calibri"/>
+              </a:rPr>
+              <a:t> outputs </a:t>
+            </a:r>
+            <a:r>
+              <a:rPr lang="en-GB" sz="1700" dirty="0" err="1">
+                <a:solidFill>
+                  <a:schemeClr val="lt1"/>
+                </a:solidFill>
+                <a:latin typeface="Calibri"/>
+                <a:ea typeface="Calibri"/>
+                <a:cs typeface="Calibri"/>
+                <a:sym typeface="Calibri"/>
+              </a:rPr>
+              <a:t>servían</a:t>
+            </a:r>
+            <a:r>
+              <a:rPr lang="en-GB" sz="1700" dirty="0">
+                <a:solidFill>
+                  <a:schemeClr val="lt1"/>
+                </a:solidFill>
+                <a:latin typeface="Calibri"/>
+                <a:ea typeface="Calibri"/>
+                <a:cs typeface="Calibri"/>
+                <a:sym typeface="Calibri"/>
+              </a:rPr>
+              <a:t> para </a:t>
+            </a:r>
+            <a:r>
+              <a:rPr lang="en-GB" sz="1700" dirty="0" err="1">
+                <a:solidFill>
+                  <a:schemeClr val="lt1"/>
+                </a:solidFill>
+                <a:latin typeface="Calibri"/>
+                <a:ea typeface="Calibri"/>
+                <a:cs typeface="Calibri"/>
+                <a:sym typeface="Calibri"/>
+              </a:rPr>
+              <a:t>el</a:t>
+            </a:r>
+            <a:r>
+              <a:rPr lang="en-GB" sz="1700" dirty="0">
+                <a:solidFill>
+                  <a:schemeClr val="lt1"/>
+                </a:solidFill>
+                <a:latin typeface="Calibri"/>
+                <a:ea typeface="Calibri"/>
+                <a:cs typeface="Calibri"/>
+                <a:sym typeface="Calibri"/>
+              </a:rPr>
+              <a:t> output final. </a:t>
+            </a:r>
+            <a:r>
+              <a:rPr lang="en-GB" sz="1700" dirty="0" err="1">
+                <a:solidFill>
+                  <a:schemeClr val="lt1"/>
+                </a:solidFill>
+                <a:latin typeface="Calibri"/>
+                <a:ea typeface="Calibri"/>
+                <a:cs typeface="Calibri"/>
+                <a:sym typeface="Calibri"/>
+              </a:rPr>
+              <a:t>En</a:t>
+            </a:r>
+            <a:r>
+              <a:rPr lang="en-GB" sz="1700" dirty="0">
+                <a:solidFill>
+                  <a:schemeClr val="lt1"/>
+                </a:solidFill>
+                <a:latin typeface="Calibri"/>
+                <a:ea typeface="Calibri"/>
+                <a:cs typeface="Calibri"/>
+                <a:sym typeface="Calibri"/>
+              </a:rPr>
+              <a:t> </a:t>
+            </a:r>
+            <a:r>
+              <a:rPr lang="en-GB" sz="1700" dirty="0" err="1">
+                <a:solidFill>
+                  <a:schemeClr val="lt1"/>
+                </a:solidFill>
+                <a:latin typeface="Calibri"/>
+                <a:ea typeface="Calibri"/>
+                <a:cs typeface="Calibri"/>
+                <a:sym typeface="Calibri"/>
+              </a:rPr>
+              <a:t>este</a:t>
+            </a:r>
+            <a:r>
+              <a:rPr lang="en-GB" sz="1700" dirty="0">
+                <a:solidFill>
+                  <a:schemeClr val="lt1"/>
+                </a:solidFill>
+                <a:latin typeface="Calibri"/>
+                <a:ea typeface="Calibri"/>
+                <a:cs typeface="Calibri"/>
+                <a:sym typeface="Calibri"/>
+              </a:rPr>
+              <a:t> </a:t>
+            </a:r>
+            <a:r>
+              <a:rPr lang="en-GB" sz="1700" dirty="0" err="1">
+                <a:solidFill>
+                  <a:schemeClr val="lt1"/>
+                </a:solidFill>
+                <a:latin typeface="Calibri"/>
+                <a:ea typeface="Calibri"/>
+                <a:cs typeface="Calibri"/>
+                <a:sym typeface="Calibri"/>
+              </a:rPr>
+              <a:t>caso</a:t>
+            </a:r>
+            <a:r>
+              <a:rPr lang="en-GB" sz="1700" dirty="0">
+                <a:solidFill>
+                  <a:schemeClr val="lt1"/>
+                </a:solidFill>
+                <a:latin typeface="Calibri"/>
+                <a:ea typeface="Calibri"/>
+                <a:cs typeface="Calibri"/>
+                <a:sym typeface="Calibri"/>
+              </a:rPr>
+              <a:t> de boosting los </a:t>
+            </a:r>
+            <a:r>
+              <a:rPr lang="en-GB" sz="1700" dirty="0" err="1">
+                <a:solidFill>
+                  <a:schemeClr val="lt1"/>
+                </a:solidFill>
+                <a:latin typeface="Calibri"/>
+                <a:ea typeface="Calibri"/>
+                <a:cs typeface="Calibri"/>
+                <a:sym typeface="Calibri"/>
+              </a:rPr>
+              <a:t>modelos</a:t>
+            </a:r>
+            <a:r>
+              <a:rPr lang="en-GB" sz="1700" dirty="0">
+                <a:solidFill>
+                  <a:schemeClr val="lt1"/>
+                </a:solidFill>
+                <a:latin typeface="Calibri"/>
+                <a:ea typeface="Calibri"/>
+                <a:cs typeface="Calibri"/>
+                <a:sym typeface="Calibri"/>
+              </a:rPr>
+              <a:t> se </a:t>
+            </a:r>
+            <a:r>
+              <a:rPr lang="en-GB" sz="1700" dirty="0" err="1">
+                <a:solidFill>
+                  <a:schemeClr val="lt1"/>
+                </a:solidFill>
+                <a:latin typeface="Calibri"/>
+                <a:ea typeface="Calibri"/>
+                <a:cs typeface="Calibri"/>
+                <a:sym typeface="Calibri"/>
+              </a:rPr>
+              <a:t>entrenan</a:t>
+            </a:r>
+            <a:r>
+              <a:rPr lang="en-GB" sz="1700" dirty="0">
+                <a:solidFill>
+                  <a:schemeClr val="lt1"/>
+                </a:solidFill>
+                <a:latin typeface="Calibri"/>
+                <a:ea typeface="Calibri"/>
+                <a:cs typeface="Calibri"/>
+                <a:sym typeface="Calibri"/>
+              </a:rPr>
+              <a:t> </a:t>
+            </a:r>
+            <a:r>
+              <a:rPr lang="en-GB" sz="1700" dirty="0" err="1">
+                <a:solidFill>
+                  <a:schemeClr val="lt1"/>
+                </a:solidFill>
+                <a:latin typeface="Calibri"/>
+                <a:ea typeface="Calibri"/>
+                <a:cs typeface="Calibri"/>
+                <a:sym typeface="Calibri"/>
+              </a:rPr>
+              <a:t>secuencialmente</a:t>
+            </a:r>
+            <a:r>
+              <a:rPr lang="en-GB" sz="1700" dirty="0">
+                <a:solidFill>
+                  <a:schemeClr val="lt1"/>
+                </a:solidFill>
+                <a:latin typeface="Calibri"/>
+                <a:ea typeface="Calibri"/>
+                <a:cs typeface="Calibri"/>
+                <a:sym typeface="Calibri"/>
+              </a:rPr>
+              <a:t> y por tanto </a:t>
+            </a:r>
+            <a:r>
+              <a:rPr lang="en-GB" sz="1700" dirty="0" err="1">
+                <a:solidFill>
+                  <a:schemeClr val="lt1"/>
+                </a:solidFill>
+                <a:latin typeface="Calibri"/>
+                <a:ea typeface="Calibri"/>
+                <a:cs typeface="Calibri"/>
+                <a:sym typeface="Calibri"/>
+              </a:rPr>
+              <a:t>existe</a:t>
+            </a:r>
+            <a:r>
+              <a:rPr lang="en-GB" sz="1700" dirty="0">
+                <a:solidFill>
+                  <a:schemeClr val="lt1"/>
+                </a:solidFill>
+                <a:latin typeface="Calibri"/>
+                <a:ea typeface="Calibri"/>
+                <a:cs typeface="Calibri"/>
+                <a:sym typeface="Calibri"/>
+              </a:rPr>
+              <a:t> una </a:t>
+            </a:r>
+            <a:r>
+              <a:rPr lang="en-GB" sz="1700" dirty="0" err="1">
+                <a:solidFill>
+                  <a:schemeClr val="lt1"/>
+                </a:solidFill>
+                <a:latin typeface="Calibri"/>
+                <a:ea typeface="Calibri"/>
+                <a:cs typeface="Calibri"/>
+                <a:sym typeface="Calibri"/>
+              </a:rPr>
+              <a:t>dependencia</a:t>
+            </a:r>
+            <a:r>
+              <a:rPr lang="en-GB" sz="1700" dirty="0">
+                <a:solidFill>
+                  <a:schemeClr val="lt1"/>
+                </a:solidFill>
+                <a:latin typeface="Calibri"/>
+                <a:ea typeface="Calibri"/>
+                <a:cs typeface="Calibri"/>
+                <a:sym typeface="Calibri"/>
+              </a:rPr>
+              <a:t> entre </a:t>
+            </a:r>
+            <a:r>
+              <a:rPr lang="en-GB" sz="1700" dirty="0" err="1">
+                <a:solidFill>
+                  <a:schemeClr val="lt1"/>
+                </a:solidFill>
+                <a:latin typeface="Calibri"/>
+                <a:ea typeface="Calibri"/>
+                <a:cs typeface="Calibri"/>
+                <a:sym typeface="Calibri"/>
+              </a:rPr>
+              <a:t>ellos</a:t>
+            </a:r>
+            <a:r>
+              <a:rPr lang="en-GB" sz="1700" dirty="0">
+                <a:solidFill>
+                  <a:schemeClr val="lt1"/>
+                </a:solidFill>
+                <a:latin typeface="Calibri"/>
+                <a:ea typeface="Calibri"/>
+                <a:cs typeface="Calibri"/>
+                <a:sym typeface="Calibri"/>
+              </a:rPr>
+              <a:t>.</a:t>
+            </a:r>
+            <a:endParaRPr sz="1700" dirty="0">
               <a:solidFill>
                 <a:schemeClr val="lt1"/>
               </a:solidFill>
@@ -19378,7 +19801,7 @@
               </a:spcAft>
               <a:buNone/>
             </a:pPr>
-            <a:endParaRPr sz="1700">
+            <a:endParaRPr sz="1700" dirty="0">
               <a:solidFill>
                 <a:schemeClr val="lt1"/>
               </a:solidFill>
@@ -19399,7 +19822,7 @@
               <a:buNone/>
             </a:pPr>
             <a:r>
-              <a:rPr lang="en-GB" sz="1700">
+              <a:rPr lang="en-GB" sz="1700" dirty="0" err="1">
                 <a:solidFill>
                   <a:schemeClr val="lt1"/>
                 </a:solidFill>
@@ -19408,9 +19831,345 @@
                 <a:cs typeface="Calibri"/>
                 <a:sym typeface="Calibri"/>
               </a:rPr>
-              <a:t>Básicamente en esta técnica los modelos van intentando mejorar su predecesor, recibiendo los errores del mismo, e intentando mejorar su resultado</a:t>
+              <a:t>Básicamente</a:t>
             </a:r>
-            <a:endParaRPr sz="1700">
+            <a:r>
+              <a:rPr lang="en-GB" sz="1700" dirty="0">
+                <a:solidFill>
+                  <a:schemeClr val="lt1"/>
+                </a:solidFill>
+                <a:latin typeface="Calibri"/>
+                <a:ea typeface="Calibri"/>
+                <a:cs typeface="Calibri"/>
+                <a:sym typeface="Calibri"/>
+              </a:rPr>
+              <a:t> </a:t>
+            </a:r>
+            <a:r>
+              <a:rPr lang="en-GB" sz="1700" dirty="0" err="1">
+                <a:solidFill>
+                  <a:schemeClr val="lt1"/>
+                </a:solidFill>
+                <a:latin typeface="Calibri"/>
+                <a:ea typeface="Calibri"/>
+                <a:cs typeface="Calibri"/>
+                <a:sym typeface="Calibri"/>
+              </a:rPr>
+              <a:t>en</a:t>
+            </a:r>
+            <a:r>
+              <a:rPr lang="en-GB" sz="1700" dirty="0">
+                <a:solidFill>
+                  <a:schemeClr val="lt1"/>
+                </a:solidFill>
+                <a:latin typeface="Calibri"/>
+                <a:ea typeface="Calibri"/>
+                <a:cs typeface="Calibri"/>
+                <a:sym typeface="Calibri"/>
+              </a:rPr>
+              <a:t> </a:t>
+            </a:r>
+            <a:r>
+              <a:rPr lang="en-GB" sz="1700" dirty="0" err="1">
+                <a:solidFill>
+                  <a:schemeClr val="lt1"/>
+                </a:solidFill>
+                <a:latin typeface="Calibri"/>
+                <a:ea typeface="Calibri"/>
+                <a:cs typeface="Calibri"/>
+                <a:sym typeface="Calibri"/>
+              </a:rPr>
+              <a:t>esta</a:t>
+            </a:r>
+            <a:r>
+              <a:rPr lang="en-GB" sz="1700" dirty="0">
+                <a:solidFill>
+                  <a:schemeClr val="lt1"/>
+                </a:solidFill>
+                <a:latin typeface="Calibri"/>
+                <a:ea typeface="Calibri"/>
+                <a:cs typeface="Calibri"/>
+                <a:sym typeface="Calibri"/>
+              </a:rPr>
+              <a:t> </a:t>
+            </a:r>
+            <a:r>
+              <a:rPr lang="en-GB" sz="1700" dirty="0" err="1">
+                <a:solidFill>
+                  <a:schemeClr val="lt1"/>
+                </a:solidFill>
+                <a:latin typeface="Calibri"/>
+                <a:ea typeface="Calibri"/>
+                <a:cs typeface="Calibri"/>
+                <a:sym typeface="Calibri"/>
+              </a:rPr>
+              <a:t>técnica</a:t>
+            </a:r>
+            <a:r>
+              <a:rPr lang="en-GB" sz="1700" dirty="0">
+                <a:solidFill>
+                  <a:schemeClr val="lt1"/>
+                </a:solidFill>
+                <a:latin typeface="Calibri"/>
+                <a:ea typeface="Calibri"/>
+                <a:cs typeface="Calibri"/>
+                <a:sym typeface="Calibri"/>
+              </a:rPr>
+              <a:t> los </a:t>
+            </a:r>
+            <a:r>
+              <a:rPr lang="en-GB" sz="1700" dirty="0" err="1">
+                <a:solidFill>
+                  <a:schemeClr val="lt1"/>
+                </a:solidFill>
+                <a:latin typeface="Calibri"/>
+                <a:ea typeface="Calibri"/>
+                <a:cs typeface="Calibri"/>
+                <a:sym typeface="Calibri"/>
+              </a:rPr>
+              <a:t>modelos</a:t>
+            </a:r>
+            <a:r>
+              <a:rPr lang="en-GB" sz="1700" dirty="0">
+                <a:solidFill>
+                  <a:schemeClr val="lt1"/>
+                </a:solidFill>
+                <a:latin typeface="Calibri"/>
+                <a:ea typeface="Calibri"/>
+                <a:cs typeface="Calibri"/>
+                <a:sym typeface="Calibri"/>
+              </a:rPr>
+              <a:t> van </a:t>
+            </a:r>
+            <a:r>
+              <a:rPr lang="en-GB" sz="1700" dirty="0" err="1">
+                <a:solidFill>
+                  <a:schemeClr val="lt1"/>
+                </a:solidFill>
+                <a:latin typeface="Calibri"/>
+                <a:ea typeface="Calibri"/>
+                <a:cs typeface="Calibri"/>
+                <a:sym typeface="Calibri"/>
+              </a:rPr>
+              <a:t>intentando</a:t>
+            </a:r>
+            <a:r>
+              <a:rPr lang="en-GB" sz="1700" dirty="0">
+                <a:solidFill>
+                  <a:schemeClr val="lt1"/>
+                </a:solidFill>
+                <a:latin typeface="Calibri"/>
+                <a:ea typeface="Calibri"/>
+                <a:cs typeface="Calibri"/>
+                <a:sym typeface="Calibri"/>
+              </a:rPr>
+              <a:t> </a:t>
+            </a:r>
+            <a:r>
+              <a:rPr lang="en-GB" sz="1700" dirty="0" err="1">
+                <a:solidFill>
+                  <a:schemeClr val="lt1"/>
+                </a:solidFill>
+                <a:latin typeface="Calibri"/>
+                <a:ea typeface="Calibri"/>
+                <a:cs typeface="Calibri"/>
+                <a:sym typeface="Calibri"/>
+              </a:rPr>
+              <a:t>mejorar</a:t>
+            </a:r>
+            <a:r>
+              <a:rPr lang="en-GB" sz="1700" dirty="0">
+                <a:solidFill>
+                  <a:schemeClr val="lt1"/>
+                </a:solidFill>
+                <a:latin typeface="Calibri"/>
+                <a:ea typeface="Calibri"/>
+                <a:cs typeface="Calibri"/>
+                <a:sym typeface="Calibri"/>
+              </a:rPr>
+              <a:t> </a:t>
+            </a:r>
+            <a:r>
+              <a:rPr lang="en-GB" sz="1700" dirty="0" err="1">
+                <a:solidFill>
+                  <a:schemeClr val="lt1"/>
+                </a:solidFill>
+                <a:latin typeface="Calibri"/>
+                <a:ea typeface="Calibri"/>
+                <a:cs typeface="Calibri"/>
+                <a:sym typeface="Calibri"/>
+              </a:rPr>
+              <a:t>su</a:t>
+            </a:r>
+            <a:r>
+              <a:rPr lang="en-GB" sz="1700" dirty="0">
+                <a:solidFill>
+                  <a:schemeClr val="lt1"/>
+                </a:solidFill>
+                <a:latin typeface="Calibri"/>
+                <a:ea typeface="Calibri"/>
+                <a:cs typeface="Calibri"/>
+                <a:sym typeface="Calibri"/>
+              </a:rPr>
+              <a:t> </a:t>
+            </a:r>
+            <a:r>
+              <a:rPr lang="en-GB" sz="1700" dirty="0" err="1">
+                <a:solidFill>
+                  <a:schemeClr val="lt1"/>
+                </a:solidFill>
+                <a:latin typeface="Calibri"/>
+                <a:ea typeface="Calibri"/>
+                <a:cs typeface="Calibri"/>
+                <a:sym typeface="Calibri"/>
+              </a:rPr>
+              <a:t>predecesor</a:t>
+            </a:r>
+            <a:r>
+              <a:rPr lang="en-GB" sz="1700" dirty="0">
+                <a:solidFill>
+                  <a:schemeClr val="lt1"/>
+                </a:solidFill>
+                <a:latin typeface="Calibri"/>
+                <a:ea typeface="Calibri"/>
+                <a:cs typeface="Calibri"/>
+                <a:sym typeface="Calibri"/>
+              </a:rPr>
+              <a:t>, recibiendo los </a:t>
+            </a:r>
+            <a:r>
+              <a:rPr lang="en-GB" sz="1700" dirty="0" err="1">
+                <a:solidFill>
+                  <a:schemeClr val="lt1"/>
+                </a:solidFill>
+                <a:latin typeface="Calibri"/>
+                <a:ea typeface="Calibri"/>
+                <a:cs typeface="Calibri"/>
+                <a:sym typeface="Calibri"/>
+              </a:rPr>
+              <a:t>errores</a:t>
+            </a:r>
+            <a:r>
+              <a:rPr lang="en-GB" sz="1700" dirty="0">
+                <a:solidFill>
+                  <a:schemeClr val="lt1"/>
+                </a:solidFill>
+                <a:latin typeface="Calibri"/>
+                <a:ea typeface="Calibri"/>
+                <a:cs typeface="Calibri"/>
+                <a:sym typeface="Calibri"/>
+              </a:rPr>
+              <a:t> del </a:t>
+            </a:r>
+            <a:r>
+              <a:rPr lang="en-GB" sz="1700" dirty="0" err="1">
+                <a:solidFill>
+                  <a:schemeClr val="lt1"/>
+                </a:solidFill>
+                <a:latin typeface="Calibri"/>
+                <a:ea typeface="Calibri"/>
+                <a:cs typeface="Calibri"/>
+                <a:sym typeface="Calibri"/>
+              </a:rPr>
+              <a:t>mismo</a:t>
+            </a:r>
+            <a:r>
+              <a:rPr lang="en-GB" sz="1700" dirty="0">
+                <a:solidFill>
+                  <a:schemeClr val="lt1"/>
+                </a:solidFill>
+                <a:latin typeface="Calibri"/>
+                <a:ea typeface="Calibri"/>
+                <a:cs typeface="Calibri"/>
+                <a:sym typeface="Calibri"/>
+              </a:rPr>
+              <a:t>, e </a:t>
+            </a:r>
+            <a:r>
+              <a:rPr lang="en-GB" sz="1700" dirty="0" err="1">
+                <a:solidFill>
+                  <a:schemeClr val="lt1"/>
+                </a:solidFill>
+                <a:latin typeface="Calibri"/>
+                <a:ea typeface="Calibri"/>
+                <a:cs typeface="Calibri"/>
+                <a:sym typeface="Calibri"/>
+              </a:rPr>
+              <a:t>intentando</a:t>
+            </a:r>
+            <a:r>
+              <a:rPr lang="en-GB" sz="1700" dirty="0">
+                <a:solidFill>
+                  <a:schemeClr val="lt1"/>
+                </a:solidFill>
+                <a:latin typeface="Calibri"/>
+                <a:ea typeface="Calibri"/>
+                <a:cs typeface="Calibri"/>
+                <a:sym typeface="Calibri"/>
+              </a:rPr>
+              <a:t> </a:t>
+            </a:r>
+            <a:r>
+              <a:rPr lang="en-GB" sz="1700" dirty="0" err="1">
+                <a:solidFill>
+                  <a:schemeClr val="lt1"/>
+                </a:solidFill>
+                <a:latin typeface="Calibri"/>
+                <a:ea typeface="Calibri"/>
+                <a:cs typeface="Calibri"/>
+                <a:sym typeface="Calibri"/>
+              </a:rPr>
+              <a:t>mejorar</a:t>
+            </a:r>
+            <a:r>
+              <a:rPr lang="en-GB" sz="1700" dirty="0">
+                <a:solidFill>
+                  <a:schemeClr val="lt1"/>
+                </a:solidFill>
+                <a:latin typeface="Calibri"/>
+                <a:ea typeface="Calibri"/>
+                <a:cs typeface="Calibri"/>
+                <a:sym typeface="Calibri"/>
+              </a:rPr>
+              <a:t> </a:t>
+            </a:r>
+            <a:r>
+              <a:rPr lang="en-GB" sz="1700" dirty="0" err="1">
+                <a:solidFill>
+                  <a:schemeClr val="lt1"/>
+                </a:solidFill>
+                <a:latin typeface="Calibri"/>
+                <a:ea typeface="Calibri"/>
+                <a:cs typeface="Calibri"/>
+                <a:sym typeface="Calibri"/>
+              </a:rPr>
+              <a:t>su</a:t>
+            </a:r>
+            <a:r>
+              <a:rPr lang="en-GB" sz="1700" dirty="0">
+                <a:solidFill>
+                  <a:schemeClr val="lt1"/>
+                </a:solidFill>
+                <a:latin typeface="Calibri"/>
+                <a:ea typeface="Calibri"/>
+                <a:cs typeface="Calibri"/>
+                <a:sym typeface="Calibri"/>
+              </a:rPr>
+              <a:t> </a:t>
+            </a:r>
+            <a:r>
+              <a:rPr lang="en-GB" sz="1700" dirty="0" err="1">
+                <a:solidFill>
+                  <a:schemeClr val="lt1"/>
+                </a:solidFill>
+                <a:latin typeface="Calibri"/>
+                <a:ea typeface="Calibri"/>
+                <a:cs typeface="Calibri"/>
+                <a:sym typeface="Calibri"/>
+              </a:rPr>
+              <a:t>resultado</a:t>
+            </a:r>
+            <a:endParaRPr sz="1700" dirty="0">
               <a:solidFill>
                 <a:schemeClr val="lt1"/>
               </a:solidFill>
@@ -19430,7 +20189,7 @@
               </a:spcAft>
               <a:buNone/>
             </a:pPr>
-            <a:endParaRPr sz="1700">
+            <a:endParaRPr sz="1700" dirty="0">
               <a:solidFill>
                 <a:schemeClr val="lt1"/>
               </a:solidFill>
@@ -19451,7 +20210,7 @@
               <a:buNone/>
             </a:pPr>
             <a:r>
-              <a:rPr lang="en-GB" sz="1700">
+              <a:rPr lang="en-GB" sz="1700" dirty="0">
                 <a:solidFill>
                   <a:schemeClr val="lt1"/>
                 </a:solidFill>
@@ -19460,9 +20219,81 @@
                 <a:cs typeface="Calibri"/>
                 <a:sym typeface="Calibri"/>
               </a:rPr>
-              <a:t>Los algoritmos más utilizados son:</a:t>
+              <a:t>Los </a:t>
             </a:r>
-            <a:endParaRPr sz="1700">
+            <a:r>
+              <a:rPr lang="en-GB" sz="1700" dirty="0" err="1">
+                <a:solidFill>
+                  <a:schemeClr val="lt1"/>
+                </a:solidFill>
+                <a:latin typeface="Calibri"/>
+                <a:ea typeface="Calibri"/>
+                <a:cs typeface="Calibri"/>
+                <a:sym typeface="Calibri"/>
+              </a:rPr>
+              <a:t>algoritmos</a:t>
+            </a:r>
+            <a:r>
+              <a:rPr lang="en-GB" sz="1700" dirty="0">
+                <a:solidFill>
+                  <a:schemeClr val="lt1"/>
+                </a:solidFill>
+                <a:latin typeface="Calibri"/>
+                <a:ea typeface="Calibri"/>
+                <a:cs typeface="Calibri"/>
+                <a:sym typeface="Calibri"/>
+              </a:rPr>
+              <a:t> </a:t>
+            </a:r>
+            <a:r>
+              <a:rPr lang="en-GB" sz="1700" dirty="0" err="1">
+                <a:solidFill>
+                  <a:schemeClr val="lt1"/>
+                </a:solidFill>
+                <a:latin typeface="Calibri"/>
+                <a:ea typeface="Calibri"/>
+                <a:cs typeface="Calibri"/>
+                <a:sym typeface="Calibri"/>
+              </a:rPr>
+              <a:t>más</a:t>
+            </a:r>
+            <a:r>
+              <a:rPr lang="en-GB" sz="1700" dirty="0">
+                <a:solidFill>
+                  <a:schemeClr val="lt1"/>
+                </a:solidFill>
+                <a:latin typeface="Calibri"/>
+                <a:ea typeface="Calibri"/>
+                <a:cs typeface="Calibri"/>
+                <a:sym typeface="Calibri"/>
+              </a:rPr>
+              <a:t> </a:t>
+            </a:r>
+            <a:r>
+              <a:rPr lang="en-GB" sz="1700" dirty="0" err="1">
+                <a:solidFill>
+                  <a:schemeClr val="lt1"/>
+                </a:solidFill>
+                <a:latin typeface="Calibri"/>
+                <a:ea typeface="Calibri"/>
+                <a:cs typeface="Calibri"/>
+                <a:sym typeface="Calibri"/>
+              </a:rPr>
+              <a:t>utilizados</a:t>
+            </a:r>
+            <a:r>
+              <a:rPr lang="en-GB" sz="1700" dirty="0">
+                <a:solidFill>
+                  <a:schemeClr val="lt1"/>
+                </a:solidFill>
+                <a:latin typeface="Calibri"/>
+                <a:ea typeface="Calibri"/>
+                <a:cs typeface="Calibri"/>
+                <a:sym typeface="Calibri"/>
+              </a:rPr>
+              <a:t> son:</a:t>
+            </a:r>
+            <a:endParaRPr sz="1700" dirty="0">
               <a:solidFill>
                 <a:schemeClr val="lt1"/>
               </a:solidFill>
@@ -19482,7 +20313,7 @@
               </a:spcAft>
               <a:buNone/>
             </a:pPr>
-            <a:endParaRPr sz="1700">
+            <a:endParaRPr sz="1700" dirty="0">
               <a:solidFill>
                 <a:schemeClr val="lt1"/>
               </a:solidFill>
@@ -19508,7 +20339,7 @@
               <a:buAutoNum type="arabicPeriod"/>
             </a:pPr>
             <a:r>
-              <a:rPr lang="en-GB" sz="1700">
+              <a:rPr lang="en-GB" sz="1700" dirty="0">
                 <a:solidFill>
                   <a:schemeClr val="lt1"/>
                 </a:solidFill>
@@ -19519,7 +20350,7 @@
               </a:rPr>
               <a:t>AdaBoost</a:t>
             </a:r>
-            <a:endParaRPr sz="1700">
+            <a:endParaRPr sz="1700" dirty="0">
               <a:solidFill>
                 <a:schemeClr val="lt1"/>
               </a:solidFill>
@@ -19545,7 +20376,7 @@
               <a:buAutoNum type="arabicPeriod"/>
             </a:pPr>
             <a:r>
-              <a:rPr lang="en-GB" sz="1700">
+              <a:rPr lang="en-GB" sz="1700" dirty="0">
                 <a:solidFill>
                   <a:schemeClr val="lt1"/>
                 </a:solidFill>
@@ -19556,7 +20387,7 @@
               </a:rPr>
               <a:t>Gradient Boosting</a:t>
             </a:r>
-            <a:endParaRPr sz="1700">
+            <a:endParaRPr sz="1700" dirty="0">
               <a:solidFill>
                 <a:schemeClr val="lt1"/>
               </a:solidFill>
@@ -19582,7 +20413,7 @@
               <a:buAutoNum type="arabicPeriod"/>
             </a:pPr>
             <a:r>
-              <a:rPr lang="en-GB" sz="1700">
+              <a:rPr lang="en-GB" sz="1700" dirty="0" err="1">
                 <a:solidFill>
                   <a:schemeClr val="lt1"/>
                 </a:solidFill>
@@ -19593,7 +20424,7 @@
               </a:rPr>
               <a:t>XGBoost</a:t>
             </a:r>
-            <a:endParaRPr sz="1700">
+            <a:endParaRPr sz="1700" dirty="0">
               <a:solidFill>
                 <a:schemeClr val="lt1"/>
               </a:solidFill>
@@ -19613,7 +20444,7 @@
               </a:spcAft>
               <a:buNone/>
             </a:pPr>
-            <a:endParaRPr sz="1700">
+            <a:endParaRPr sz="1700" dirty="0">
               <a:solidFill>
                 <a:schemeClr val="lt1"/>
               </a:solidFill>
@@ -27512,7 +28343,7 @@
               <a:buNone/>
             </a:pPr>
             <a:r>
-              <a:rPr lang="en-GB" sz="2100">
+              <a:rPr lang="en-GB" sz="2100" dirty="0" err="1">
                 <a:solidFill>
                   <a:schemeClr val="lt1"/>
                 </a:solidFill>
@@ -27521,9 +28352,21 @@
                 <a:cs typeface="Calibri"/>
                 <a:sym typeface="Calibri"/>
               </a:rPr>
-              <a:t>Tipos de ensembles:</a:t>
+              <a:t>Tipos</a:t>
             </a:r>
-            <a:endParaRPr sz="2100">
+            <a:r>
+              <a:rPr lang="en-GB" sz="2100" dirty="0">
+                <a:solidFill>
+                  <a:schemeClr val="lt1"/>
+                </a:solidFill>
+                <a:latin typeface="Calibri"/>
+                <a:ea typeface="Calibri"/>
+                <a:cs typeface="Calibri"/>
+                <a:sym typeface="Calibri"/>
+              </a:rPr>
+              <a:t> de ensembles:</a:t>
+            </a:r>
+            <a:endParaRPr sz="2100" dirty="0">
               <a:solidFill>
                 <a:schemeClr val="lt1"/>
               </a:solidFill>
@@ -27549,7 +28392,7 @@
               <a:buAutoNum type="arabicPeriod"/>
             </a:pPr>
             <a:r>
-              <a:rPr lang="en-GB" sz="2100">
+              <a:rPr lang="en-GB" sz="2100" dirty="0">
                 <a:solidFill>
                   <a:schemeClr val="lt1"/>
                 </a:solidFill>
@@ -27560,7 +28403,7 @@
               </a:rPr>
               <a:t>Bagging</a:t>
             </a:r>
-            <a:endParaRPr sz="2100">
+            <a:endParaRPr sz="2100" dirty="0">
               <a:solidFill>
                 <a:schemeClr val="lt1"/>
               </a:solidFill>
@@ -27586,44 +28429,7 @@
               <a:buAutoNum type="alphaLcPeriod"/>
             </a:pPr>
             <a:r>
-              <a:rPr lang="en-GB" sz="2100">
-                <a:solidFill>
-                  <a:schemeClr val="lt1"/>
-                </a:solidFill>
-                <a:latin typeface="Calibri"/>
-                <a:ea typeface="Calibri"/>
-                <a:cs typeface="Calibri"/>
-                <a:sym typeface="Calibri"/>
-              </a:rPr>
-              <a:t>AdaBoost</a:t>
-            </a:r>
-            <a:endParaRPr sz="2100">
-              <a:solidFill>
-                <a:schemeClr val="lt1"/>
-              </a:solidFill>
-              <a:latin typeface="Calibri"/>
-              <a:ea typeface="Calibri"/>
-              <a:cs typeface="Calibri"/>
-              <a:sym typeface="Calibri"/>
-            </a:endParaRPr>
-          </a:p>
-          <a:p>
-            <a:pPr marL="914400" lvl="1" indent="-361950" algn="l" rtl="0">
-              <a:spcBef>
-                <a:spcPts val="0"/>
-              </a:spcBef>
-              <a:spcAft>
-                <a:spcPts val="0"/>
-              </a:spcAft>
-              <a:buClr>
-                <a:schemeClr val="lt1"/>
-              </a:buClr>
-              <a:buSzPts val="2100"/>
-              <a:buFont typeface="Calibri"/>
-              <a:buAutoNum type="alphaLcPeriod"/>
-            </a:pPr>
-            <a:r>
-              <a:rPr lang="en-GB" sz="2100">
+              <a:rPr lang="en-GB" sz="2100" dirty="0">
                 <a:solidFill>
                   <a:schemeClr val="lt1"/>
                 </a:solidFill>
@@ -27634,7 +28440,7 @@
               </a:rPr>
               <a:t>Random Forest</a:t>
             </a:r>
-            <a:endParaRPr sz="2100">
+            <a:endParaRPr sz="2100" dirty="0">
               <a:solidFill>
                 <a:schemeClr val="lt1"/>
               </a:solidFill>
@@ -27660,7 +28466,7 @@
               <a:buAutoNum type="arabicPeriod"/>
             </a:pPr>
             <a:r>
-              <a:rPr lang="en-GB" sz="2100">
+              <a:rPr lang="en-GB" sz="2100" dirty="0">
                 <a:solidFill>
                   <a:schemeClr val="lt1"/>
                 </a:solidFill>
@@ -27671,7 +28477,50 @@
               </a:rPr>
               <a:t>Boosting</a:t>
             </a:r>
-            <a:endParaRPr sz="2100">
+          </a:p>
+          <a:p>
+            <a:pPr marL="914400" lvl="3" indent="-361950">
+              <a:buClr>
+                <a:schemeClr val="lt1"/>
+              </a:buClr>
+              <a:buSzPts val="2100"/>
+              <a:buFont typeface="Calibri"/>
+              <a:buAutoNum type="alphaLcPeriod"/>
+            </a:pPr>
+            <a:r>
+              <a:rPr lang="en-GB" sz="2100" dirty="0">
+                <a:solidFill>
+                  <a:schemeClr val="lt1"/>
+                </a:solidFill>
+                <a:latin typeface="Calibri"/>
+                <a:cs typeface="Calibri"/>
+                <a:sym typeface="Calibri"/>
+              </a:rPr>
+              <a:t>AdaBoost</a:t>
+            </a:r>
+          </a:p>
+          <a:p>
+            <a:pPr marL="914400" lvl="3" indent="-361950">
+              <a:buClr>
+                <a:schemeClr val="lt1"/>
+              </a:buClr>
+              <a:buSzPts val="2100"/>
+              <a:buFont typeface="Calibri"/>
+              <a:buAutoNum type="alphaLcPeriod"/>
+            </a:pPr>
+            <a:r>
+              <a:rPr lang="en-GB" sz="2100" dirty="0" err="1">
+                <a:solidFill>
+                  <a:schemeClr val="lt1"/>
+                </a:solidFill>
+                <a:latin typeface="Calibri"/>
+                <a:ea typeface="Calibri"/>
+                <a:cs typeface="Calibri"/>
+                <a:sym typeface="Calibri"/>
+              </a:rPr>
+              <a:t>GradientBoost</a:t>
+            </a:r>
+            <a:endParaRPr sz="2100" dirty="0">
               <a:solidFill>
                 <a:schemeClr val="lt1"/>
               </a:solidFill>
@@ -27682,13 +28531,7 @@
             </a:endParaRPr>
           </a:p>
           <a:p>
-            <a:pPr marL="914400" lvl="1" indent="-361950" algn="l" rtl="0">
-              <a:spcBef>
-                <a:spcPts val="0"/>
-              </a:spcBef>
-              <a:spcAft>
-                <a:spcPts val="0"/>
-              </a:spcAft>
+            <a:pPr marL="914400" lvl="3" indent="-361950">
               <a:buClr>
                 <a:schemeClr val="lt1"/>
               </a:buClr>
@@ -27697,44 +28540,7 @@
               <a:buAutoNum type="alphaLcPeriod"/>
             </a:pPr>
             <a:r>
-              <a:rPr lang="en-GB" sz="2100">
-                <a:solidFill>
-                  <a:schemeClr val="lt1"/>
-                </a:solidFill>
-                <a:latin typeface="Calibri"/>
-                <a:ea typeface="Calibri"/>
-                <a:cs typeface="Calibri"/>
-                <a:sym typeface="Calibri"/>
-              </a:rPr>
-              <a:t>GradientBoost</a:t>
-            </a:r>
-            <a:endParaRPr sz="2100">
-              <a:solidFill>
-                <a:schemeClr val="lt1"/>
-              </a:solidFill>
-              <a:latin typeface="Calibri"/>
-              <a:ea typeface="Calibri"/>
-              <a:cs typeface="Calibri"/>
-              <a:sym typeface="Calibri"/>
-            </a:endParaRPr>
-          </a:p>
-          <a:p>
-            <a:pPr marL="914400" lvl="1" indent="-361950" algn="l" rtl="0">
-              <a:spcBef>
-                <a:spcPts val="0"/>
-              </a:spcBef>
-              <a:spcAft>
-                <a:spcPts val="0"/>
-              </a:spcAft>
-              <a:buClr>
-                <a:schemeClr val="lt1"/>
-              </a:buClr>
-              <a:buSzPts val="2100"/>
-              <a:buFont typeface="Calibri"/>
-              <a:buAutoNum type="alphaLcPeriod"/>
-            </a:pPr>
-            <a:r>
-              <a:rPr lang="en-GB" sz="2100">
+              <a:rPr lang="en-GB" sz="2100" dirty="0" err="1">
                 <a:solidFill>
                   <a:schemeClr val="lt1"/>
                 </a:solidFill>
@@ -27745,7 +28551,7 @@
               </a:rPr>
               <a:t>XGBoost</a:t>
             </a:r>
-            <a:endParaRPr sz="2100">
+            <a:endParaRPr sz="2100" dirty="0">
               <a:solidFill>
                 <a:schemeClr val="lt1"/>
               </a:solidFill>
